--- a/poster.pptx
+++ b/poster.pptx
@@ -3460,8 +3460,38 @@
           <a:bodyPr rtlCol="0" anchor="ctr"/>
           <a:lstStyle/>
           <a:p>
-            <a:r>
-              <a:rPr lang="fr-FR" sz="2400" dirty="0">
+            <a:endParaRPr lang="en-US" sz="2400" dirty="0">
+              <a:solidFill>
+                <a:schemeClr val="tx1">
+                  <a:lumMod val="95000"/>
+                  <a:lumOff val="5000"/>
+                </a:schemeClr>
+              </a:solidFill>
+            </a:endParaRPr>
+          </a:p>
+          <a:p>
+            <a:endParaRPr lang="en-US" sz="2400" dirty="0">
+              <a:solidFill>
+                <a:schemeClr val="tx1">
+                  <a:lumMod val="95000"/>
+                  <a:lumOff val="5000"/>
+                </a:schemeClr>
+              </a:solidFill>
+            </a:endParaRPr>
+          </a:p>
+          <a:p>
+            <a:endParaRPr lang="en-US" sz="2400" dirty="0">
+              <a:solidFill>
+                <a:schemeClr val="tx1">
+                  <a:lumMod val="95000"/>
+                  <a:lumOff val="5000"/>
+                </a:schemeClr>
+              </a:solidFill>
+            </a:endParaRPr>
+          </a:p>
+          <a:p>
+            <a:r>
+              <a:rPr lang="en-US" sz="2400" dirty="0">
                 <a:solidFill>
                   <a:schemeClr val="tx1">
                     <a:lumMod val="95000"/>
@@ -3469,9 +3499,9 @@
                   </a:schemeClr>
                 </a:solidFill>
               </a:rPr>
-              <a:t>Notre système est construit en UML.</a:t>
-            </a:r>
-            <a:endParaRPr lang="ar-DZ" sz="2400" dirty="0">
+              <a:t>We developed our application using HTML &amp; CSS for the UI, JavaScript for data manipulation, Processing to auto-generate a dataset and for training and detection purposes we used a library called ml5.js which has a predefined neural network class that will allow to train a model and do the classification after the training process.</a:t>
+            </a:r>
+            <a:endParaRPr lang="fr-FR" sz="2400" dirty="0">
               <a:solidFill>
                 <a:schemeClr val="tx1">
                   <a:lumMod val="95000"/>
@@ -3479,61 +3509,6 @@
                 </a:schemeClr>
               </a:solidFill>
             </a:endParaRPr>
-          </a:p>
-          <a:p>
-            <a:r>
-              <a:rPr lang="fr-FR" sz="2400" dirty="0">
-                <a:solidFill>
-                  <a:schemeClr val="tx1">
-                    <a:lumMod val="95000"/>
-                    <a:lumOff val="5000"/>
-                  </a:schemeClr>
-                </a:solidFill>
-              </a:rPr>
-              <a:t>L'application est construite en utilisant : HTML, CSS et JavaScript </a:t>
-            </a:r>
-            <a:endParaRPr lang="ar-DZ" sz="2400" dirty="0">
-              <a:solidFill>
-                <a:schemeClr val="tx1">
-                  <a:lumMod val="95000"/>
-                  <a:lumOff val="5000"/>
-                </a:schemeClr>
-              </a:solidFill>
-            </a:endParaRPr>
-          </a:p>
-          <a:p>
-            <a:r>
-              <a:rPr lang="fr-FR" sz="2400" dirty="0">
-                <a:solidFill>
-                  <a:schemeClr val="tx1">
-                    <a:lumMod val="95000"/>
-                    <a:lumOff val="5000"/>
-                  </a:schemeClr>
-                </a:solidFill>
-              </a:rPr>
-              <a:t>et éditeur de texte : Visual Studio Code</a:t>
-            </a:r>
-            <a:endParaRPr lang="ar-DZ" sz="2400" dirty="0">
-              <a:solidFill>
-                <a:schemeClr val="tx1">
-                  <a:lumMod val="95000"/>
-                  <a:lumOff val="5000"/>
-                </a:schemeClr>
-              </a:solidFill>
-            </a:endParaRPr>
-          </a:p>
-          <a:p>
-            <a:r>
-              <a:rPr lang="fr-FR" sz="2400" dirty="0">
-                <a:solidFill>
-                  <a:schemeClr val="tx1">
-                    <a:lumMod val="95000"/>
-                    <a:lumOff val="5000"/>
-                  </a:schemeClr>
-                </a:solidFill>
-              </a:rPr>
-              <a:t>a également été utilisé http local server</a:t>
-            </a:r>
           </a:p>
         </p:txBody>
       </p:sp>
@@ -3612,7 +3587,7 @@
             </a:endParaRPr>
           </a:p>
           <a:p>
-            <a:endParaRPr lang="fr-FR" sz="2400">
+            <a:endParaRPr lang="fr-FR" sz="2400" dirty="0">
               <a:solidFill>
                 <a:schemeClr val="tx1">
                   <a:lumMod val="95000"/>
@@ -3623,7 +3598,7 @@
           </a:p>
           <a:p>
             <a:r>
-              <a:rPr lang="fr-FR" sz="2400">
+              <a:rPr lang="fr-FR" sz="2500" dirty="0">
                 <a:solidFill>
                   <a:schemeClr val="tx1">
                     <a:lumMod val="95000"/>
@@ -3634,7 +3609,7 @@
               <a:t>Our </a:t>
             </a:r>
             <a:r>
-              <a:rPr lang="en-US" sz="2400" dirty="0">
+              <a:rPr lang="en-US" sz="2500" dirty="0">
                 <a:solidFill>
                   <a:schemeClr val="tx1">
                     <a:lumMod val="95000"/>
@@ -3645,7 +3620,7 @@
               <a:t>goal</a:t>
             </a:r>
             <a:r>
-              <a:rPr lang="fr-FR" sz="2400" dirty="0">
+              <a:rPr lang="fr-FR" sz="2500" dirty="0">
                 <a:solidFill>
                   <a:schemeClr val="tx1">
                     <a:lumMod val="95000"/>
@@ -3656,7 +3631,7 @@
               <a:t> </a:t>
             </a:r>
             <a:r>
-              <a:rPr lang="en-US" sz="2400" dirty="0">
+              <a:rPr lang="en-US" sz="2500" dirty="0">
                 <a:solidFill>
                   <a:schemeClr val="tx1">
                     <a:lumMod val="95000"/>
@@ -3780,7 +3755,7 @@
           <a:p>
             <a:pPr algn="ctr"/>
             <a:r>
-              <a:rPr lang="fr-FR" sz="3600" b="1" dirty="0">
+              <a:rPr lang="en-US" sz="3600" b="1" dirty="0">
                 <a:solidFill>
                   <a:schemeClr val="tx1">
                     <a:lumMod val="95000"/>
@@ -3788,7 +3763,7 @@
                   </a:schemeClr>
                 </a:solidFill>
               </a:rPr>
-              <a:t>Outils et langages de développement :</a:t>
+              <a:t>Development tools and languages:</a:t>
             </a:r>
           </a:p>
         </p:txBody>
@@ -3985,7 +3960,7 @@
               </a:lnSpc>
             </a:pPr>
             <a:r>
-              <a:rPr lang="en-US" sz="2400" dirty="0">
+              <a:rPr lang="en-US" sz="2700" dirty="0">
                 <a:solidFill>
                   <a:schemeClr val="tx1">
                     <a:lumMod val="95000"/>
@@ -3996,7 +3971,7 @@
               <a:t>How can we embed</a:t>
             </a:r>
             <a:r>
-              <a:rPr lang="fr-FR" sz="2400" dirty="0">
+              <a:rPr lang="fr-FR" sz="2700" dirty="0">
                 <a:solidFill>
                   <a:schemeClr val="tx1">
                     <a:lumMod val="95000"/>
@@ -4007,7 +3982,7 @@
               <a:t>, </a:t>
             </a:r>
             <a:r>
-              <a:rPr lang="en-US" sz="2400" dirty="0">
+              <a:rPr lang="en-US" sz="2700" dirty="0">
                 <a:solidFill>
                   <a:schemeClr val="tx1">
                     <a:lumMod val="95000"/>
@@ -4015,7 +3990,7 @@
                   </a:schemeClr>
                 </a:solidFill>
               </a:rPr>
-              <a:t>train and use a deep neural network  to detect whether or not a digital image has a specific watermark on it in which this las t doesn’t appear (invisible watermark) ?</a:t>
+              <a:t>train and use a deep neural network  to detect whether or not a digital image has a specific watermark on it in which this last doesn’t appear (invisible watermark) ?</a:t>
             </a:r>
           </a:p>
         </p:txBody>
@@ -4364,28 +4339,24 @@
       </p:sp>
       <p:sp>
         <p:nvSpPr>
-          <p:cNvPr id="116" name="Rectangle à coins arrondis 115"/>
+          <p:cNvPr id="41" name="Rectangle 40"/>
           <p:cNvSpPr/>
           <p:nvPr/>
         </p:nvSpPr>
         <p:spPr>
           <a:xfrm>
-            <a:off x="11971635" y="13253790"/>
-            <a:ext cx="17882499" cy="5121490"/>
-          </a:xfrm>
-          <a:prstGeom prst="roundRect">
+            <a:off x="-4869" y="18189551"/>
+            <a:ext cx="7858180" cy="992229"/>
+          </a:xfrm>
+          <a:prstGeom prst="rect">
             <a:avLst/>
           </a:prstGeom>
           <a:solidFill>
-            <a:schemeClr val="bg1">
-              <a:lumMod val="85000"/>
-            </a:schemeClr>
+            <a:schemeClr val="bg1"/>
           </a:solidFill>
           <a:ln>
             <a:solidFill>
-              <a:schemeClr val="bg1">
-                <a:lumMod val="85000"/>
-              </a:schemeClr>
+              <a:schemeClr val="bg1"/>
             </a:solidFill>
           </a:ln>
         </p:spPr>
@@ -4409,90 +4380,28 @@
           <a:bodyPr rtlCol="0" anchor="ctr"/>
           <a:lstStyle/>
           <a:p>
-            <a:endParaRPr lang="fr-FR" sz="3600" dirty="0">
-              <a:solidFill>
-                <a:schemeClr val="tx1"/>
-              </a:solidFill>
-            </a:endParaRPr>
-          </a:p>
-          <a:p>
+            <a:pPr algn="ctr"/>
             <a:r>
               <a:rPr lang="fr-FR" sz="3600" b="1" dirty="0">
                 <a:solidFill>
                   <a:schemeClr val="tx1"/>
                 </a:solidFill>
               </a:rPr>
-              <a:t>Le cycle de fonctionnement d’un système d’irrigation intelligent:</a:t>
-            </a:r>
-          </a:p>
-          <a:p>
-            <a:endParaRPr lang="fr-FR" sz="3600" dirty="0">
-              <a:solidFill>
-                <a:schemeClr val="tx1"/>
-              </a:solidFill>
-            </a:endParaRPr>
-          </a:p>
-          <a:p>
-            <a:endParaRPr lang="fr-FR" sz="3600" dirty="0">
-              <a:solidFill>
-                <a:schemeClr val="tx1"/>
-              </a:solidFill>
-            </a:endParaRPr>
-          </a:p>
-          <a:p>
-            <a:endParaRPr lang="fr-FR" sz="3600" dirty="0">
-              <a:solidFill>
-                <a:schemeClr val="tx1"/>
-              </a:solidFill>
-            </a:endParaRPr>
-          </a:p>
-          <a:p>
-            <a:endParaRPr lang="fr-FR" sz="3600" dirty="0">
-              <a:solidFill>
-                <a:schemeClr val="tx1"/>
-              </a:solidFill>
-            </a:endParaRPr>
-          </a:p>
-          <a:p>
-            <a:endParaRPr lang="fr-FR" sz="3600" dirty="0">
-              <a:solidFill>
-                <a:schemeClr val="tx1"/>
-              </a:solidFill>
-            </a:endParaRPr>
-          </a:p>
-          <a:p>
-            <a:endParaRPr lang="fr-FR" sz="3600" dirty="0">
-              <a:solidFill>
-                <a:schemeClr val="tx1"/>
-              </a:solidFill>
-            </a:endParaRPr>
-          </a:p>
-          <a:p>
-            <a:endParaRPr lang="fr-FR" sz="3600" dirty="0">
-              <a:solidFill>
-                <a:schemeClr val="tx1"/>
-              </a:solidFill>
-            </a:endParaRPr>
-          </a:p>
-          <a:p>
-            <a:endParaRPr lang="fr-FR" sz="3600" dirty="0">
-              <a:solidFill>
-                <a:schemeClr val="tx1"/>
-              </a:solidFill>
-            </a:endParaRPr>
-          </a:p>
-        </p:txBody>
-      </p:sp>
-      <p:sp>
-        <p:nvSpPr>
-          <p:cNvPr id="41" name="Rectangle 40"/>
+              <a:t>Diagramme de cas d’utilisation :</a:t>
+            </a:r>
+          </a:p>
+        </p:txBody>
+      </p:sp>
+      <p:sp>
+        <p:nvSpPr>
+          <p:cNvPr id="43" name="Rectangle 42"/>
           <p:cNvSpPr/>
           <p:nvPr/>
         </p:nvSpPr>
         <p:spPr>
           <a:xfrm>
-            <a:off x="-4869" y="18189551"/>
-            <a:ext cx="7858180" cy="992229"/>
+            <a:off x="10710831" y="18531141"/>
+            <a:ext cx="4500594" cy="642942"/>
           </a:xfrm>
           <a:prstGeom prst="rect">
             <a:avLst/>
@@ -4528,36 +4437,40 @@
           <a:p>
             <a:pPr algn="ctr"/>
             <a:r>
-              <a:rPr lang="fr-FR" sz="3600" b="1" dirty="0">
+              <a:rPr lang="fr-FR" sz="3600" dirty="0">
                 <a:solidFill>
                   <a:schemeClr val="tx1"/>
                 </a:solidFill>
               </a:rPr>
-              <a:t>Diagramme de cas d’utilisation :</a:t>
-            </a:r>
-          </a:p>
-        </p:txBody>
-      </p:sp>
-      <p:sp>
-        <p:nvSpPr>
-          <p:cNvPr id="43" name="Rectangle 42"/>
+              <a:t>Réalisation :</a:t>
+            </a:r>
+          </a:p>
+        </p:txBody>
+      </p:sp>
+      <p:sp>
+        <p:nvSpPr>
+          <p:cNvPr id="60" name="Rectangle à coins arrondis 59"/>
           <p:cNvSpPr/>
           <p:nvPr/>
         </p:nvSpPr>
         <p:spPr>
           <a:xfrm>
-            <a:off x="10710831" y="18531141"/>
-            <a:ext cx="4500594" cy="642942"/>
-          </a:xfrm>
-          <a:prstGeom prst="rect">
+            <a:off x="-4869" y="13316180"/>
+            <a:ext cx="30284844" cy="4653339"/>
+          </a:xfrm>
+          <a:prstGeom prst="roundRect">
             <a:avLst/>
           </a:prstGeom>
           <a:solidFill>
-            <a:schemeClr val="bg1"/>
+            <a:schemeClr val="bg1">
+              <a:lumMod val="85000"/>
+            </a:schemeClr>
           </a:solidFill>
           <a:ln>
             <a:solidFill>
-              <a:schemeClr val="bg1"/>
+              <a:schemeClr val="bg1">
+                <a:lumMod val="85000"/>
+              </a:schemeClr>
             </a:solidFill>
           </a:ln>
         </p:spPr>
@@ -4581,72 +4494,58 @@
           <a:bodyPr rtlCol="0" anchor="ctr"/>
           <a:lstStyle/>
           <a:p>
-            <a:pPr algn="ctr"/>
-            <a:r>
-              <a:rPr lang="fr-FR" sz="3600" dirty="0">
-                <a:solidFill>
-                  <a:schemeClr val="tx1"/>
-                </a:solidFill>
-              </a:rPr>
-              <a:t>Réalisation :</a:t>
-            </a:r>
-          </a:p>
-        </p:txBody>
-      </p:sp>
-      <p:sp>
-        <p:nvSpPr>
-          <p:cNvPr id="60" name="Rectangle à coins arrondis 59"/>
-          <p:cNvSpPr/>
-          <p:nvPr/>
-        </p:nvSpPr>
-        <p:spPr>
-          <a:xfrm>
-            <a:off x="209445" y="13392906"/>
-            <a:ext cx="11287204" cy="4357718"/>
-          </a:xfrm>
-          <a:prstGeom prst="roundRect">
-            <a:avLst/>
-          </a:prstGeom>
-          <a:solidFill>
-            <a:schemeClr val="bg1">
-              <a:lumMod val="85000"/>
-            </a:schemeClr>
-          </a:solidFill>
-          <a:ln>
-            <a:solidFill>
-              <a:schemeClr val="bg1">
-                <a:lumMod val="85000"/>
-              </a:schemeClr>
-            </a:solidFill>
-          </a:ln>
-        </p:spPr>
-        <p:style>
-          <a:lnRef idx="2">
-            <a:schemeClr val="accent1">
-              <a:shade val="50000"/>
-            </a:schemeClr>
-          </a:lnRef>
-          <a:fillRef idx="1">
-            <a:schemeClr val="accent1"/>
-          </a:fillRef>
-          <a:effectRef idx="0">
-            <a:schemeClr val="accent1"/>
-          </a:effectRef>
-          <a:fontRef idx="minor">
-            <a:schemeClr val="lt1"/>
-          </a:fontRef>
-        </p:style>
-        <p:txBody>
-          <a:bodyPr rtlCol="0" anchor="ctr"/>
-          <a:lstStyle/>
-          <a:p>
             <a:pPr>
               <a:lnSpc>
                 <a:spcPct val="150000"/>
               </a:lnSpc>
             </a:pPr>
-            <a:r>
-              <a:rPr lang="fr-FR" sz="3600" b="1" dirty="0">
+            <a:endParaRPr lang="en-US" sz="500" b="1" dirty="0">
+              <a:solidFill>
+                <a:schemeClr val="tx1">
+                  <a:lumMod val="95000"/>
+                  <a:lumOff val="5000"/>
+                </a:schemeClr>
+              </a:solidFill>
+            </a:endParaRPr>
+          </a:p>
+          <a:p>
+            <a:pPr>
+              <a:lnSpc>
+                <a:spcPct val="150000"/>
+              </a:lnSpc>
+            </a:pPr>
+            <a:endParaRPr lang="en-US" sz="500" b="1" dirty="0">
+              <a:solidFill>
+                <a:schemeClr val="tx1">
+                  <a:lumMod val="95000"/>
+                  <a:lumOff val="5000"/>
+                </a:schemeClr>
+              </a:solidFill>
+            </a:endParaRPr>
+          </a:p>
+          <a:p>
+            <a:pPr>
+              <a:lnSpc>
+                <a:spcPct val="150000"/>
+              </a:lnSpc>
+            </a:pPr>
+            <a:endParaRPr lang="en-US" sz="500" b="1" dirty="0">
+              <a:solidFill>
+                <a:schemeClr val="tx1">
+                  <a:lumMod val="95000"/>
+                  <a:lumOff val="5000"/>
+                </a:schemeClr>
+              </a:solidFill>
+            </a:endParaRPr>
+          </a:p>
+          <a:p>
+            <a:pPr>
+              <a:lnSpc>
+                <a:spcPct val="150000"/>
+              </a:lnSpc>
+            </a:pPr>
+            <a:r>
+              <a:rPr lang="en-US" sz="3600" b="1" dirty="0">
                 <a:solidFill>
                   <a:schemeClr val="tx1">
                     <a:lumMod val="95000"/>
@@ -4654,7 +4553,7 @@
                   </a:schemeClr>
                 </a:solidFill>
               </a:rPr>
-              <a:t>Présentation de l'agriculture l'intelligence artificielle :</a:t>
+              <a:t>The concept of digital watermarking using deep NN:</a:t>
             </a:r>
           </a:p>
           <a:p>
@@ -4664,7 +4563,7 @@
               </a:lnSpc>
             </a:pPr>
             <a:r>
-              <a:rPr lang="fr-FR" sz="2400" dirty="0">
+              <a:rPr lang="en-US" sz="2800" dirty="0">
                 <a:solidFill>
                   <a:schemeClr val="tx1">
                     <a:lumMod val="95000"/>
@@ -4672,21 +4571,21 @@
                   </a:schemeClr>
                 </a:solidFill>
               </a:rPr>
-              <a:t> </a:t>
-            </a:r>
-            <a:r>
-              <a:rPr lang="fr-FR" sz="2000" b="1" dirty="0">
-                <a:solidFill>
-                  <a:schemeClr val="tx1"/>
-                </a:solidFill>
-              </a:rPr>
-              <a:t>l’intelligence artificielle correspond à un ensemble de théories scientifiques et de techniques capables de créer des machines visant à simuler l’intelligence humaine. A titre d’exemple, un drone qui survole un champ de culture va pouvoir collecter des images de l’espace en question, les confronter et les analyser pour ensuite faire remonter des informations dignes d’intérêt comme le signalement d’une zone trop humide ou encore la présence de rongeurs dans le champ. Au sein du monde agricole, on retrouve déjà de telles machines : capteurs, tracteurs sans conducteur, drones, machines de traites connectées, logiciels et outils connectés, caméra </a:t>
-            </a:r>
-          </a:p>
-          <a:p>
-            <a:endParaRPr lang="fr-FR" sz="1800" b="1" dirty="0">
+              <a:t>A watermarking system is usually divided into three distinct steps, embedding, attack, and detection. In embedding, an algorithm accepts the host and the data to be embedded, and produces a watermarked image. Then the watermarked digital image is transmitted or stored. If this person makes a modification, this is called an attack. Detection (often called extraction) is an algorithm which is applied to the attacked image to attempt to extract the watermark from it. If the image was unmodified during transmission, then the watermark still is present and it may be extracted. In robust digital watermarking applications, the extraction algorithm should be able to produce the watermark correctly, even if the modifications were strong. In fragile digital watermarking, the extraction algorithm should fail if any change is made to the image. </a:t>
+            </a:r>
+          </a:p>
+          <a:p>
+            <a:pPr>
+              <a:lnSpc>
+                <a:spcPct val="150000"/>
+              </a:lnSpc>
+            </a:pPr>
+            <a:endParaRPr lang="en-US" sz="2800" dirty="0">
               <a:solidFill>
-                <a:schemeClr val="tx1"/>
+                <a:schemeClr val="tx1">
+                  <a:lumMod val="95000"/>
+                  <a:lumOff val="5000"/>
+                </a:schemeClr>
               </a:solidFill>
             </a:endParaRPr>
           </a:p>
@@ -4734,14 +4633,13 @@
               </a:ext>
             </a:extLst>
           </a:blip>
-          <a:stretch>
-            <a:fillRect/>
-          </a:stretch>
+          <a:srcRect/>
+          <a:stretch/>
         </p:blipFill>
         <p:spPr>
           <a:xfrm>
-            <a:off x="290091" y="19105021"/>
-            <a:ext cx="11052370" cy="5510953"/>
+            <a:off x="69005" y="19789673"/>
+            <a:ext cx="9859642" cy="9174040"/>
           </a:xfrm>
           <a:prstGeom prst="rect">
             <a:avLst/>
@@ -4835,7 +4733,7 @@
       </p:pic>
       <p:pic>
         <p:nvPicPr>
-          <p:cNvPr id="9" name="Image 8"/>
+          <p:cNvPr id="13" name="Image 12"/>
           <p:cNvPicPr>
             <a:picLocks noChangeAspect="1"/>
           </p:cNvPicPr>
@@ -4843,182 +4741,6 @@
         </p:nvPicPr>
         <p:blipFill>
           <a:blip r:embed="rId5">
-            <a:extLst>
-              <a:ext uri="{28A0092B-C50C-407E-A947-70E740481C1C}">
-                <a14:useLocalDpi xmlns:a14="http://schemas.microsoft.com/office/drawing/2010/main" val="0"/>
-              </a:ext>
-            </a:extLst>
-          </a:blip>
-          <a:stretch>
-            <a:fillRect/>
-          </a:stretch>
-        </p:blipFill>
-        <p:spPr>
-          <a:xfrm>
-            <a:off x="350218" y="25921640"/>
-            <a:ext cx="10932117" cy="4959662"/>
-          </a:xfrm>
-          <a:prstGeom prst="rect">
-            <a:avLst/>
-          </a:prstGeom>
-        </p:spPr>
-      </p:pic>
-      <p:sp>
-        <p:nvSpPr>
-          <p:cNvPr id="11" name="Rectangle 10"/>
-          <p:cNvSpPr/>
-          <p:nvPr/>
-        </p:nvSpPr>
-        <p:spPr>
-          <a:xfrm>
-            <a:off x="558278" y="24250114"/>
-            <a:ext cx="6357982" cy="154544"/>
-          </a:xfrm>
-          <a:prstGeom prst="rect">
-            <a:avLst/>
-          </a:prstGeom>
-          <a:solidFill>
-            <a:schemeClr val="bg1"/>
-          </a:solidFill>
-          <a:ln>
-            <a:solidFill>
-              <a:schemeClr val="bg1"/>
-            </a:solidFill>
-          </a:ln>
-        </p:spPr>
-        <p:style>
-          <a:lnRef idx="2">
-            <a:schemeClr val="accent1">
-              <a:shade val="50000"/>
-            </a:schemeClr>
-          </a:lnRef>
-          <a:fillRef idx="1">
-            <a:schemeClr val="accent1"/>
-          </a:fillRef>
-          <a:effectRef idx="0">
-            <a:schemeClr val="accent1"/>
-          </a:effectRef>
-          <a:fontRef idx="minor">
-            <a:schemeClr val="lt1"/>
-          </a:fontRef>
-        </p:style>
-        <p:txBody>
-          <a:bodyPr rtlCol="0" anchor="ctr"/>
-          <a:lstStyle/>
-          <a:p>
-            <a:pPr algn="ctr"/>
-            <a:endParaRPr lang="ar-DZ" sz="2800" b="1" dirty="0">
-              <a:solidFill>
-                <a:schemeClr val="tx1"/>
-              </a:solidFill>
-            </a:endParaRPr>
-          </a:p>
-          <a:p>
-            <a:pPr algn="ctr"/>
-            <a:endParaRPr lang="ar-DZ" sz="2800" b="1" dirty="0">
-              <a:solidFill>
-                <a:schemeClr val="tx1"/>
-              </a:solidFill>
-            </a:endParaRPr>
-          </a:p>
-          <a:p>
-            <a:pPr algn="ctr"/>
-            <a:endParaRPr lang="ar-DZ" sz="2800" b="1" dirty="0">
-              <a:solidFill>
-                <a:schemeClr val="tx1"/>
-              </a:solidFill>
-            </a:endParaRPr>
-          </a:p>
-          <a:p>
-            <a:pPr algn="ctr"/>
-            <a:endParaRPr lang="ar-DZ" sz="2800" b="1" dirty="0">
-              <a:solidFill>
-                <a:schemeClr val="tx1"/>
-              </a:solidFill>
-            </a:endParaRPr>
-          </a:p>
-          <a:p>
-            <a:pPr algn="ctr"/>
-            <a:endParaRPr lang="ar-DZ" sz="2800" b="1" dirty="0">
-              <a:solidFill>
-                <a:schemeClr val="tx1"/>
-              </a:solidFill>
-            </a:endParaRPr>
-          </a:p>
-          <a:p>
-            <a:pPr algn="ctr"/>
-            <a:r>
-              <a:rPr lang="fr-FR" sz="3200" b="1" dirty="0">
-                <a:solidFill>
-                  <a:schemeClr val="tx1"/>
-                </a:solidFill>
-              </a:rPr>
-              <a:t>Diagramme d'entité association</a:t>
-            </a:r>
-            <a:r>
-              <a:rPr lang="ar-DZ" sz="3200" b="1" dirty="0">
-                <a:solidFill>
-                  <a:schemeClr val="tx1"/>
-                </a:solidFill>
-              </a:rPr>
-              <a:t> </a:t>
-            </a:r>
-            <a:r>
-              <a:rPr lang="en-ZA" sz="3200" b="1" dirty="0">
-                <a:solidFill>
-                  <a:schemeClr val="tx1"/>
-                </a:solidFill>
-              </a:rPr>
-              <a:t>:</a:t>
-            </a:r>
-            <a:endParaRPr lang="fr-FR" sz="3200" dirty="0">
-              <a:solidFill>
-                <a:schemeClr val="tx1"/>
-              </a:solidFill>
-            </a:endParaRPr>
-          </a:p>
-        </p:txBody>
-      </p:sp>
-      <p:pic>
-        <p:nvPicPr>
-          <p:cNvPr id="12" name="Image 11"/>
-          <p:cNvPicPr>
-            <a:picLocks noChangeAspect="1"/>
-          </p:cNvPicPr>
-          <p:nvPr/>
-        </p:nvPicPr>
-        <p:blipFill>
-          <a:blip r:embed="rId6">
-            <a:extLst>
-              <a:ext uri="{28A0092B-C50C-407E-A947-70E740481C1C}">
-                <a14:useLocalDpi xmlns:a14="http://schemas.microsoft.com/office/drawing/2010/main" val="0"/>
-              </a:ext>
-            </a:extLst>
-          </a:blip>
-          <a:stretch>
-            <a:fillRect/>
-          </a:stretch>
-        </p:blipFill>
-        <p:spPr>
-          <a:xfrm>
-            <a:off x="12547699" y="14069582"/>
-            <a:ext cx="16921880" cy="3953162"/>
-          </a:xfrm>
-          <a:prstGeom prst="rect">
-            <a:avLst/>
-          </a:prstGeom>
-        </p:spPr>
-      </p:pic>
-      <p:pic>
-        <p:nvPicPr>
-          <p:cNvPr id="13" name="Image 12"/>
-          <p:cNvPicPr>
-            <a:picLocks noChangeAspect="1"/>
-          </p:cNvPicPr>
-          <p:nvPr/>
-        </p:nvPicPr>
-        <p:blipFill>
-          <a:blip r:embed="rId7">
             <a:extLst>
               <a:ext uri="{28A0092B-C50C-407E-A947-70E740481C1C}">
                 <a14:useLocalDpi xmlns:a14="http://schemas.microsoft.com/office/drawing/2010/main" val="0"/>
@@ -5062,7 +4784,7 @@
           <p:nvPr/>
         </p:nvPicPr>
         <p:blipFill>
-          <a:blip r:embed="rId8">
+          <a:blip r:embed="rId6">
             <a:extLst>
               <a:ext uri="{28A0092B-C50C-407E-A947-70E740481C1C}">
                 <a14:useLocalDpi xmlns:a14="http://schemas.microsoft.com/office/drawing/2010/main" val="0"/>
@@ -5092,7 +4814,7 @@
           <p:nvPr/>
         </p:nvPicPr>
         <p:blipFill>
-          <a:blip r:embed="rId9">
+          <a:blip r:embed="rId7">
             <a:extLst>
               <a:ext uri="{28A0092B-C50C-407E-A947-70E740481C1C}">
                 <a14:useLocalDpi xmlns:a14="http://schemas.microsoft.com/office/drawing/2010/main" val="0"/>

--- a/poster.pptx
+++ b/poster.pptx
@@ -3829,7 +3829,15 @@
           <a:p>
             <a:r>
               <a:rPr lang="fr-FR" sz="3600" b="1" dirty="0"/>
-              <a:t>  Encadré par :                                                                                                   Theme :                                                                                     </a:t>
+              <a:t>  </a:t>
+            </a:r>
+            <a:r>
+              <a:rPr lang="en-US" sz="3600" b="1" dirty="0"/>
+              <a:t>Supervised by</a:t>
+            </a:r>
+            <a:r>
+              <a:rPr lang="fr-FR" sz="3600" b="1" dirty="0"/>
+              <a:t>:                                                                                                   Theme :                                                                                     </a:t>
             </a:r>
             <a:r>
               <a:rPr lang="en-US" sz="3600" b="1" dirty="0"/>
@@ -4259,8 +4267,8 @@
         </p:nvSpPr>
         <p:spPr>
           <a:xfrm>
-            <a:off x="1495329" y="38857434"/>
-            <a:ext cx="27432192" cy="2978096"/>
+            <a:off x="1495329" y="39255056"/>
+            <a:ext cx="27432192" cy="2580473"/>
           </a:xfrm>
           <a:prstGeom prst="roundRect">
             <a:avLst/>
@@ -4316,24 +4324,24 @@
           <a:p>
             <a:pPr algn="ctr"/>
             <a:r>
-              <a:rPr lang="fr-FR" sz="2800" dirty="0">
+              <a:rPr lang="en-US" sz="3300" dirty="0">
                 <a:solidFill>
-                  <a:schemeClr val="tx1"/>
+                  <a:schemeClr val="tx1">
+                    <a:lumMod val="95000"/>
+                    <a:lumOff val="5000"/>
+                  </a:schemeClr>
                 </a:solidFill>
               </a:rPr>
-              <a:t>L'agriculture intelligente a un réel potentiel pour une durabilité accrue et productivité agricole basée sur une utilisation efficace et précise des ressources; en plus, il crée de la valeur économique pour le domaine de la science, du développement et de l'innovation et pour les nouvelles entreprises souhaitant se spécialiser dans la gestion des cultures avec une agriculture intelligente. Si l'agriculture ne peut être maîtrisée à 100 %, un équilibre doit être recherché entre méthodes traditionnelles et l'incorporation de nouvelles technologies qui répondent enfin Aubut de produire et de préserver les ressources naturelles. L'adoption de ces nouvelles stratégies de production est un élément fondamental dans la création</a:t>
-            </a:r>
-          </a:p>
-          <a:p>
-            <a:pPr algn="ctr"/>
-            <a:r>
-              <a:rPr lang="fr-FR" sz="2800" dirty="0">
-                <a:solidFill>
-                  <a:schemeClr val="tx1"/>
-                </a:solidFill>
-              </a:rPr>
-              <a:t>de modèles durables qui permettront le développement économique et le bien-être de la population.</a:t>
-            </a:r>
+              <a:t>Although we got great results on the example above that we applied, however there are some cases were the image get damaged by some attack or compression algorithms in a way that even a well-trained neural network cannot be able to detect the embedded watermark or even if it did it will be with a low confidence score which means a higher error, and the higher the error goes the less we are sure about whether a certain watermark exists in an image or not.</a:t>
+            </a:r>
+            <a:endParaRPr lang="fr-FR" sz="3300" dirty="0">
+              <a:solidFill>
+                <a:schemeClr val="tx1">
+                  <a:lumMod val="95000"/>
+                  <a:lumOff val="5000"/>
+                </a:schemeClr>
+              </a:solidFill>
+            </a:endParaRPr>
           </a:p>
         </p:txBody>
       </p:sp>
@@ -4387,8 +4395,13 @@
                   <a:schemeClr val="tx1"/>
                 </a:solidFill>
               </a:rPr>
-              <a:t>Diagramme de cas d’utilisation :</a:t>
-            </a:r>
+              <a:t>Concept Diagram : </a:t>
+            </a:r>
+            <a:endParaRPr lang="en-US" sz="3600" b="1" dirty="0">
+              <a:solidFill>
+                <a:schemeClr val="tx1"/>
+              </a:solidFill>
+            </a:endParaRPr>
           </a:p>
         </p:txBody>
       </p:sp>
@@ -4437,12 +4450,12 @@
           <a:p>
             <a:pPr algn="ctr"/>
             <a:r>
-              <a:rPr lang="fr-FR" sz="3600" dirty="0">
+              <a:rPr lang="en-US" sz="3600" b="1" dirty="0">
                 <a:solidFill>
                   <a:schemeClr val="tx1"/>
                 </a:solidFill>
               </a:rPr>
-              <a:t>Réalisation :</a:t>
+              <a:t>Realization :</a:t>
             </a:r>
           </a:p>
         </p:txBody>
@@ -4553,7 +4566,7 @@
                   </a:schemeClr>
                 </a:solidFill>
               </a:rPr>
-              <a:t>The concept of digital watermarking using deep NN:</a:t>
+              <a:t>The concept of digital watermarking using deep neural network:</a:t>
             </a:r>
           </a:p>
           <a:p>
@@ -4638,7 +4651,7 @@
         </p:blipFill>
         <p:spPr>
           <a:xfrm>
-            <a:off x="69005" y="19789673"/>
+            <a:off x="0" y="19679140"/>
             <a:ext cx="9859642" cy="9174040"/>
           </a:xfrm>
           <a:prstGeom prst="rect">
@@ -4646,16 +4659,58 @@
           </a:prstGeom>
         </p:spPr>
       </p:pic>
-      <p:sp>
-        <p:nvSpPr>
-          <p:cNvPr id="7" name="Rectangle 6"/>
+      <p:pic>
+        <p:nvPicPr>
+          <p:cNvPr id="15" name="Image 14"/>
+          <p:cNvPicPr>
+            <a:picLocks noChangeAspect="1"/>
+          </p:cNvPicPr>
+          <p:nvPr/>
+        </p:nvPicPr>
+        <p:blipFill>
+          <a:blip r:embed="rId4">
+            <a:extLst>
+              <a:ext uri="{28A0092B-C50C-407E-A947-70E740481C1C}">
+                <a14:useLocalDpi xmlns:a14="http://schemas.microsoft.com/office/drawing/2010/main" val="0"/>
+              </a:ext>
+            </a:extLst>
+          </a:blip>
+          <a:srcRect/>
+          <a:stretch/>
+        </p:blipFill>
+        <p:spPr>
+          <a:xfrm>
+            <a:off x="13699827" y="19657656"/>
+            <a:ext cx="15815199" cy="9224308"/>
+          </a:xfrm>
+          <a:prstGeom prst="rect">
+            <a:avLst/>
+          </a:prstGeom>
+          <a:ln>
+            <a:solidFill>
+              <a:schemeClr val="tx1"/>
+            </a:solidFill>
+          </a:ln>
+          <a:effectLst>
+            <a:glow>
+              <a:schemeClr val="accent1">
+                <a:alpha val="40000"/>
+              </a:schemeClr>
+            </a:glow>
+            <a:softEdge rad="0"/>
+          </a:effectLst>
+        </p:spPr>
+      </p:pic>
+      <p:sp>
+        <p:nvSpPr>
+          <p:cNvPr id="16" name="Rectangle 15"/>
           <p:cNvSpPr/>
           <p:nvPr/>
         </p:nvSpPr>
         <p:spPr>
           <a:xfrm>
-            <a:off x="11962722" y="19341173"/>
-            <a:ext cx="4588040" cy="1014713"/>
+            <a:off x="7879609" y="21872381"/>
+            <a:ext cx="4970746" cy="1020151"/>
           </a:xfrm>
           <a:prstGeom prst="rect">
             <a:avLst/>
@@ -4668,16 +4723,18 @@
         </p:spPr>
         <p:style>
           <a:lnRef idx="2">
-            <a:schemeClr val="accent1"/>
+            <a:schemeClr val="accent1">
+              <a:shade val="50000"/>
+            </a:schemeClr>
           </a:lnRef>
           <a:fillRef idx="1">
-            <a:schemeClr val="lt1"/>
+            <a:schemeClr val="accent1"/>
           </a:fillRef>
           <a:effectRef idx="0">
             <a:schemeClr val="accent1"/>
           </a:effectRef>
           <a:fontRef idx="minor">
-            <a:schemeClr val="dk1"/>
+            <a:schemeClr val="lt1"/>
           </a:fontRef>
         </p:style>
         <p:txBody>
@@ -4686,54 +4743,197 @@
           <a:p>
             <a:pPr algn="ctr"/>
             <a:r>
-              <a:rPr lang="fr-FR" sz="2800" b="1" dirty="0"/>
-              <a:t>Arborescence du site </a:t>
-            </a:r>
-            <a:r>
-              <a:rPr lang="en-ZA" sz="2800" b="1" dirty="0"/>
-              <a:t>web </a:t>
-            </a:r>
-            <a:r>
-              <a:rPr lang="ar-DZ" sz="2800" b="1" dirty="0"/>
-              <a:t>:</a:t>
-            </a:r>
-            <a:endParaRPr lang="fr-FR" sz="2800" dirty="0"/>
-          </a:p>
-        </p:txBody>
-      </p:sp>
-      <p:pic>
-        <p:nvPicPr>
-          <p:cNvPr id="8" name="Image 7"/>
-          <p:cNvPicPr>
-            <a:picLocks noChangeAspect="1"/>
-          </p:cNvPicPr>
+              <a:rPr lang="en-US" sz="3600" b="1" dirty="0"/>
+              <a:t>Watermark embedding</a:t>
+            </a:r>
+            <a:endParaRPr lang="en-US" dirty="0"/>
+          </a:p>
+        </p:txBody>
+      </p:sp>
+      <p:sp>
+        <p:nvSpPr>
+          <p:cNvPr id="28" name="Flèche à angle droit 27"/>
+          <p:cNvSpPr/>
           <p:nvPr/>
-        </p:nvPicPr>
-        <p:blipFill>
-          <a:blip r:embed="rId4" cstate="print">
-            <a:extLst>
-              <a:ext uri="{28A0092B-C50C-407E-A947-70E740481C1C}">
-                <a14:useLocalDpi xmlns:a14="http://schemas.microsoft.com/office/drawing/2010/main" val="0"/>
-              </a:ext>
-            </a:extLst>
-          </a:blip>
-          <a:stretch>
-            <a:fillRect/>
-          </a:stretch>
-        </p:blipFill>
+        </p:nvSpPr>
+        <p:spPr>
+          <a:xfrm rot="5400000">
+            <a:off x="10848162" y="21971142"/>
+            <a:ext cx="1569280" cy="3398870"/>
+          </a:xfrm>
+          <a:prstGeom prst="bentUpArrow">
+            <a:avLst>
+              <a:gd name="adj1" fmla="val 25000"/>
+              <a:gd name="adj2" fmla="val 24202"/>
+              <a:gd name="adj3" fmla="val 25000"/>
+            </a:avLst>
+          </a:prstGeom>
+        </p:spPr>
+        <p:style>
+          <a:lnRef idx="2">
+            <a:schemeClr val="accent1">
+              <a:shade val="50000"/>
+            </a:schemeClr>
+          </a:lnRef>
+          <a:fillRef idx="1">
+            <a:schemeClr val="accent1"/>
+          </a:fillRef>
+          <a:effectRef idx="0">
+            <a:schemeClr val="accent1"/>
+          </a:effectRef>
+          <a:fontRef idx="minor">
+            <a:schemeClr val="lt1"/>
+          </a:fontRef>
+        </p:style>
+        <p:txBody>
+          <a:bodyPr rtlCol="0" anchor="ctr"/>
+          <a:lstStyle/>
+          <a:p>
+            <a:pPr algn="ctr"/>
+            <a:endParaRPr lang="fr-FR" dirty="0"/>
+          </a:p>
+        </p:txBody>
+      </p:sp>
+      <p:sp>
+        <p:nvSpPr>
+          <p:cNvPr id="29" name="Rectangle 28"/>
+          <p:cNvSpPr/>
+          <p:nvPr/>
+        </p:nvSpPr>
         <p:spPr>
           <a:xfrm>
-            <a:off x="11749581" y="20708422"/>
-            <a:ext cx="17975780" cy="5555731"/>
+            <a:off x="648616" y="30277713"/>
+            <a:ext cx="5468392" cy="1197510"/>
           </a:xfrm>
           <a:prstGeom prst="rect">
             <a:avLst/>
           </a:prstGeom>
         </p:spPr>
-      </p:pic>
+        <p:style>
+          <a:lnRef idx="2">
+            <a:schemeClr val="accent1">
+              <a:shade val="50000"/>
+            </a:schemeClr>
+          </a:lnRef>
+          <a:fillRef idx="1">
+            <a:schemeClr val="accent1"/>
+          </a:fillRef>
+          <a:effectRef idx="0">
+            <a:schemeClr val="accent1"/>
+          </a:effectRef>
+          <a:fontRef idx="minor">
+            <a:schemeClr val="lt1"/>
+          </a:fontRef>
+        </p:style>
+        <p:txBody>
+          <a:bodyPr rtlCol="0" anchor="ctr"/>
+          <a:lstStyle/>
+          <a:p>
+            <a:pPr algn="ctr"/>
+            <a:r>
+              <a:rPr lang="fr-FR" sz="3600" b="1" dirty="0"/>
+              <a:t>Watermark Extraction</a:t>
+            </a:r>
+            <a:endParaRPr lang="fr-FR" sz="3600" dirty="0"/>
+          </a:p>
+        </p:txBody>
+      </p:sp>
+      <p:sp>
+        <p:nvSpPr>
+          <p:cNvPr id="30" name="Virage 29"/>
+          <p:cNvSpPr/>
+          <p:nvPr/>
+        </p:nvSpPr>
+        <p:spPr>
+          <a:xfrm rot="5400000">
+            <a:off x="6240188" y="30317540"/>
+            <a:ext cx="1519660" cy="1766020"/>
+          </a:xfrm>
+          <a:prstGeom prst="bentArrow">
+            <a:avLst/>
+          </a:prstGeom>
+        </p:spPr>
+        <p:style>
+          <a:lnRef idx="2">
+            <a:schemeClr val="accent1">
+              <a:shade val="50000"/>
+            </a:schemeClr>
+          </a:lnRef>
+          <a:fillRef idx="1">
+            <a:schemeClr val="accent1"/>
+          </a:fillRef>
+          <a:effectRef idx="0">
+            <a:schemeClr val="accent1"/>
+          </a:effectRef>
+          <a:fontRef idx="minor">
+            <a:schemeClr val="lt1"/>
+          </a:fontRef>
+        </p:style>
+        <p:txBody>
+          <a:bodyPr rtlCol="0" anchor="ctr"/>
+          <a:lstStyle/>
+          <a:p>
+            <a:pPr algn="ctr"/>
+            <a:endParaRPr lang="fr-FR" dirty="0">
+              <a:solidFill>
+                <a:schemeClr val="tx1"/>
+              </a:solidFill>
+            </a:endParaRPr>
+          </a:p>
+        </p:txBody>
+      </p:sp>
+      <p:sp>
+        <p:nvSpPr>
+          <p:cNvPr id="31" name="Rectangle 30"/>
+          <p:cNvSpPr/>
+          <p:nvPr/>
+        </p:nvSpPr>
+        <p:spPr>
+          <a:xfrm>
+            <a:off x="11632802" y="36859566"/>
+            <a:ext cx="4746828" cy="1584630"/>
+          </a:xfrm>
+          <a:prstGeom prst="rect">
+            <a:avLst/>
+          </a:prstGeom>
+        </p:spPr>
+        <p:style>
+          <a:lnRef idx="2">
+            <a:schemeClr val="accent1">
+              <a:shade val="50000"/>
+            </a:schemeClr>
+          </a:lnRef>
+          <a:fillRef idx="1">
+            <a:schemeClr val="accent1"/>
+          </a:fillRef>
+          <a:effectRef idx="0">
+            <a:schemeClr val="accent1"/>
+          </a:effectRef>
+          <a:fontRef idx="minor">
+            <a:schemeClr val="lt1"/>
+          </a:fontRef>
+        </p:style>
+        <p:txBody>
+          <a:bodyPr rtlCol="0" anchor="ctr"/>
+          <a:lstStyle/>
+          <a:p>
+            <a:pPr algn="ctr"/>
+            <a:r>
+              <a:rPr lang="en-US" sz="3200" dirty="0"/>
+              <a:t>Training Performance</a:t>
+            </a:r>
+          </a:p>
+        </p:txBody>
+      </p:sp>
       <p:pic>
         <p:nvPicPr>
-          <p:cNvPr id="13" name="Image 12"/>
+          <p:cNvPr id="10" name="Picture 9">
+            <a:extLst>
+              <a:ext uri="{FF2B5EF4-FFF2-40B4-BE49-F238E27FC236}">
+                <a16:creationId xmlns:a16="http://schemas.microsoft.com/office/drawing/2014/main" id="{2DC4BD7B-88DE-7BE8-181C-183DCBD78A59}"/>
+              </a:ext>
+            </a:extLst>
+          </p:cNvPr>
           <p:cNvPicPr>
             <a:picLocks noChangeAspect="1"/>
           </p:cNvPicPr>
@@ -4747,37 +4947,174 @@
               </a:ext>
             </a:extLst>
           </a:blip>
-          <a:stretch>
-            <a:fillRect/>
-          </a:stretch>
+          <a:srcRect/>
+          <a:stretch/>
         </p:blipFill>
         <p:spPr>
           <a:xfrm>
-            <a:off x="16960920" y="27087953"/>
-            <a:ext cx="10636451" cy="5472840"/>
+            <a:off x="759215" y="32663761"/>
+            <a:ext cx="8352285" cy="6287377"/>
           </a:xfrm>
           <a:prstGeom prst="rect">
             <a:avLst/>
           </a:prstGeom>
+          <a:ln>
+            <a:solidFill>
+              <a:schemeClr val="tx1"/>
+            </a:solidFill>
+          </a:ln>
+        </p:spPr>
+      </p:pic>
+      <p:sp>
+        <p:nvSpPr>
+          <p:cNvPr id="17" name="Arrow: Up 16">
+            <a:extLst>
+              <a:ext uri="{FF2B5EF4-FFF2-40B4-BE49-F238E27FC236}">
+                <a16:creationId xmlns:a16="http://schemas.microsoft.com/office/drawing/2014/main" id="{767658FE-DD36-4C91-04AF-AB3495968DD0}"/>
+              </a:ext>
+            </a:extLst>
+          </p:cNvPr>
+          <p:cNvSpPr/>
+          <p:nvPr/>
+        </p:nvSpPr>
+        <p:spPr>
+          <a:xfrm rot="10800000">
+            <a:off x="24615902" y="31306074"/>
+            <a:ext cx="484632" cy="978408"/>
+          </a:xfrm>
+          <a:prstGeom prst="upArrow">
+            <a:avLst/>
+          </a:prstGeom>
         </p:spPr>
         <p:style>
           <a:lnRef idx="2">
-            <a:schemeClr val="accent1"/>
+            <a:schemeClr val="accent1">
+              <a:shade val="50000"/>
+            </a:schemeClr>
           </a:lnRef>
           <a:fillRef idx="1">
-            <a:schemeClr val="lt1"/>
+            <a:schemeClr val="accent1"/>
           </a:fillRef>
           <a:effectRef idx="0">
             <a:schemeClr val="accent1"/>
           </a:effectRef>
           <a:fontRef idx="minor">
-            <a:schemeClr val="dk1"/>
+            <a:schemeClr val="lt1"/>
           </a:fontRef>
         </p:style>
-      </p:pic>
+        <p:txBody>
+          <a:bodyPr rtlCol="0" anchor="ctr"/>
+          <a:lstStyle/>
+          <a:p>
+            <a:pPr algn="ctr"/>
+            <a:endParaRPr lang="en-US"/>
+          </a:p>
+        </p:txBody>
+      </p:sp>
+      <p:sp>
+        <p:nvSpPr>
+          <p:cNvPr id="44" name="Rectangle 43">
+            <a:extLst>
+              <a:ext uri="{FF2B5EF4-FFF2-40B4-BE49-F238E27FC236}">
+                <a16:creationId xmlns:a16="http://schemas.microsoft.com/office/drawing/2014/main" id="{F9D47B4F-77A1-D2A0-9A23-999B38A29864}"/>
+              </a:ext>
+            </a:extLst>
+          </p:cNvPr>
+          <p:cNvSpPr/>
+          <p:nvPr/>
+        </p:nvSpPr>
+        <p:spPr>
+          <a:xfrm>
+            <a:off x="22484803" y="29692824"/>
+            <a:ext cx="4746828" cy="1584630"/>
+          </a:xfrm>
+          <a:prstGeom prst="rect">
+            <a:avLst/>
+          </a:prstGeom>
+        </p:spPr>
+        <p:style>
+          <a:lnRef idx="2">
+            <a:schemeClr val="accent1">
+              <a:shade val="50000"/>
+            </a:schemeClr>
+          </a:lnRef>
+          <a:fillRef idx="1">
+            <a:schemeClr val="accent1"/>
+          </a:fillRef>
+          <a:effectRef idx="0">
+            <a:schemeClr val="accent1"/>
+          </a:effectRef>
+          <a:fontRef idx="minor">
+            <a:schemeClr val="lt1"/>
+          </a:fontRef>
+        </p:style>
+        <p:txBody>
+          <a:bodyPr rtlCol="0" anchor="ctr"/>
+          <a:lstStyle/>
+          <a:p>
+            <a:pPr algn="ctr"/>
+            <a:r>
+              <a:rPr lang="en-US" sz="3200" dirty="0"/>
+              <a:t>Generated dataset</a:t>
+            </a:r>
+          </a:p>
+        </p:txBody>
+      </p:sp>
+      <p:sp>
+        <p:nvSpPr>
+          <p:cNvPr id="45" name="Arrow: Up 44">
+            <a:extLst>
+              <a:ext uri="{FF2B5EF4-FFF2-40B4-BE49-F238E27FC236}">
+                <a16:creationId xmlns:a16="http://schemas.microsoft.com/office/drawing/2014/main" id="{5EFBFAB4-B36B-B91E-9B01-C1A8C4A062AD}"/>
+              </a:ext>
+            </a:extLst>
+          </p:cNvPr>
+          <p:cNvSpPr/>
+          <p:nvPr/>
+        </p:nvSpPr>
+        <p:spPr>
+          <a:xfrm>
+            <a:off x="13763900" y="35852537"/>
+            <a:ext cx="484632" cy="978408"/>
+          </a:xfrm>
+          <a:prstGeom prst="upArrow">
+            <a:avLst/>
+          </a:prstGeom>
+        </p:spPr>
+        <p:style>
+          <a:lnRef idx="2">
+            <a:schemeClr val="accent1">
+              <a:shade val="50000"/>
+            </a:schemeClr>
+          </a:lnRef>
+          <a:fillRef idx="1">
+            <a:schemeClr val="accent1"/>
+          </a:fillRef>
+          <a:effectRef idx="0">
+            <a:schemeClr val="accent1"/>
+          </a:effectRef>
+          <a:fontRef idx="minor">
+            <a:schemeClr val="lt1"/>
+          </a:fontRef>
+        </p:style>
+        <p:txBody>
+          <a:bodyPr rtlCol="0" anchor="ctr"/>
+          <a:lstStyle/>
+          <a:p>
+            <a:pPr algn="ctr"/>
+            <a:endParaRPr lang="en-US"/>
+          </a:p>
+        </p:txBody>
+      </p:sp>
       <p:pic>
         <p:nvPicPr>
-          <p:cNvPr id="14" name="Image 13"/>
+          <p:cNvPr id="21" name="Picture 20">
+            <a:extLst>
+              <a:ext uri="{FF2B5EF4-FFF2-40B4-BE49-F238E27FC236}">
+                <a16:creationId xmlns:a16="http://schemas.microsoft.com/office/drawing/2014/main" id="{311E3ECF-314F-716F-67D5-F9FF299A76D5}"/>
+              </a:ext>
+            </a:extLst>
+          </p:cNvPr>
           <p:cNvPicPr>
             <a:picLocks noChangeAspect="1"/>
           </p:cNvPicPr>
@@ -4797,17 +5134,28 @@
         </p:blipFill>
         <p:spPr>
           <a:xfrm>
-            <a:off x="589433" y="33092428"/>
-            <a:ext cx="9784656" cy="5657849"/>
+            <a:off x="20278706" y="32879472"/>
+            <a:ext cx="9481644" cy="5067057"/>
           </a:xfrm>
           <a:prstGeom prst="rect">
             <a:avLst/>
           </a:prstGeom>
+          <a:ln>
+            <a:solidFill>
+              <a:schemeClr val="tx1"/>
+            </a:solidFill>
+          </a:ln>
         </p:spPr>
       </p:pic>
       <p:pic>
         <p:nvPicPr>
-          <p:cNvPr id="15" name="Image 14"/>
+          <p:cNvPr id="23" name="Picture 22">
+            <a:extLst>
+              <a:ext uri="{FF2B5EF4-FFF2-40B4-BE49-F238E27FC236}">
+                <a16:creationId xmlns:a16="http://schemas.microsoft.com/office/drawing/2014/main" id="{A03CDCA0-5ED9-7D66-1C24-C8404D77A8EE}"/>
+              </a:ext>
+            </a:extLst>
+          </p:cNvPr>
           <p:cNvPicPr>
             <a:picLocks noChangeAspect="1"/>
           </p:cNvPicPr>
@@ -4827,281 +5175,19 @@
         </p:blipFill>
         <p:spPr>
           <a:xfrm>
-            <a:off x="16235194" y="33220119"/>
-            <a:ext cx="9355380" cy="5374072"/>
-          </a:xfrm>
-          <a:prstGeom prst="rect">
-            <a:avLst/>
-          </a:prstGeom>
-        </p:spPr>
-      </p:pic>
-      <p:sp>
-        <p:nvSpPr>
-          <p:cNvPr id="16" name="Rectangle 15"/>
-          <p:cNvSpPr/>
-          <p:nvPr/>
-        </p:nvSpPr>
-        <p:spPr>
-          <a:xfrm>
-            <a:off x="9379917" y="27308259"/>
-            <a:ext cx="5760070" cy="1182145"/>
+            <a:off x="9651378" y="29621979"/>
+            <a:ext cx="10087450" cy="5671421"/>
           </a:xfrm>
           <a:prstGeom prst="rect">
             <a:avLst/>
           </a:prstGeom>
           <a:ln>
             <a:solidFill>
-              <a:schemeClr val="bg1"/>
+              <a:schemeClr val="tx1"/>
             </a:solidFill>
           </a:ln>
         </p:spPr>
-        <p:style>
-          <a:lnRef idx="2">
-            <a:schemeClr val="accent1">
-              <a:shade val="50000"/>
-            </a:schemeClr>
-          </a:lnRef>
-          <a:fillRef idx="1">
-            <a:schemeClr val="accent1"/>
-          </a:fillRef>
-          <a:effectRef idx="0">
-            <a:schemeClr val="accent1"/>
-          </a:effectRef>
-          <a:fontRef idx="minor">
-            <a:schemeClr val="lt1"/>
-          </a:fontRef>
-        </p:style>
-        <p:txBody>
-          <a:bodyPr rtlCol="0" anchor="ctr"/>
-          <a:lstStyle/>
-          <a:p>
-            <a:pPr algn="ctr"/>
-            <a:r>
-              <a:rPr lang="fr-FR" sz="3600" b="1" dirty="0"/>
-              <a:t>Page d'Accueil</a:t>
-            </a:r>
-            <a:r>
-              <a:rPr lang="ar-DZ" b="1" dirty="0"/>
-              <a:t> </a:t>
-            </a:r>
-            <a:endParaRPr lang="fr-FR" dirty="0"/>
-          </a:p>
-        </p:txBody>
-      </p:sp>
-      <p:sp>
-        <p:nvSpPr>
-          <p:cNvPr id="28" name="Flèche à angle droit 27"/>
-          <p:cNvSpPr/>
-          <p:nvPr/>
-        </p:nvSpPr>
-        <p:spPr>
-          <a:xfrm rot="5400000">
-            <a:off x="13152195" y="27072581"/>
-            <a:ext cx="2406108" cy="5211337"/>
-          </a:xfrm>
-          <a:prstGeom prst="bentUpArrow">
-            <a:avLst>
-              <a:gd name="adj1" fmla="val 25000"/>
-              <a:gd name="adj2" fmla="val 24202"/>
-              <a:gd name="adj3" fmla="val 25000"/>
-            </a:avLst>
-          </a:prstGeom>
-        </p:spPr>
-        <p:style>
-          <a:lnRef idx="2">
-            <a:schemeClr val="accent1">
-              <a:shade val="50000"/>
-            </a:schemeClr>
-          </a:lnRef>
-          <a:fillRef idx="1">
-            <a:schemeClr val="accent1"/>
-          </a:fillRef>
-          <a:effectRef idx="0">
-            <a:schemeClr val="accent1"/>
-          </a:effectRef>
-          <a:fontRef idx="minor">
-            <a:schemeClr val="lt1"/>
-          </a:fontRef>
-        </p:style>
-        <p:txBody>
-          <a:bodyPr rtlCol="0" anchor="ctr"/>
-          <a:lstStyle/>
-          <a:p>
-            <a:pPr algn="ctr"/>
-            <a:endParaRPr lang="fr-FR" dirty="0"/>
-          </a:p>
-        </p:txBody>
-      </p:sp>
-      <p:sp>
-        <p:nvSpPr>
-          <p:cNvPr id="29" name="Rectangle 28"/>
-          <p:cNvSpPr/>
-          <p:nvPr/>
-        </p:nvSpPr>
-        <p:spPr>
-          <a:xfrm>
-            <a:off x="425673" y="31413519"/>
-            <a:ext cx="5468392" cy="1197510"/>
-          </a:xfrm>
-          <a:prstGeom prst="rect">
-            <a:avLst/>
-          </a:prstGeom>
-        </p:spPr>
-        <p:style>
-          <a:lnRef idx="2">
-            <a:schemeClr val="accent1">
-              <a:shade val="50000"/>
-            </a:schemeClr>
-          </a:lnRef>
-          <a:fillRef idx="1">
-            <a:schemeClr val="accent1"/>
-          </a:fillRef>
-          <a:effectRef idx="0">
-            <a:schemeClr val="accent1"/>
-          </a:effectRef>
-          <a:fontRef idx="minor">
-            <a:schemeClr val="lt1"/>
-          </a:fontRef>
-        </p:style>
-        <p:txBody>
-          <a:bodyPr rtlCol="0" anchor="ctr"/>
-          <a:lstStyle/>
-          <a:p>
-            <a:r>
-              <a:rPr lang="fr-FR" sz="3600" b="1" dirty="0"/>
-              <a:t>l'introduction Général</a:t>
-            </a:r>
-            <a:endParaRPr lang="fr-FR" sz="3600" dirty="0"/>
-          </a:p>
-        </p:txBody>
-      </p:sp>
-      <p:sp>
-        <p:nvSpPr>
-          <p:cNvPr id="30" name="Virage 29"/>
-          <p:cNvSpPr/>
-          <p:nvPr/>
-        </p:nvSpPr>
-        <p:spPr>
-          <a:xfrm rot="5400000">
-            <a:off x="6017245" y="31453346"/>
-            <a:ext cx="1519660" cy="1766020"/>
-          </a:xfrm>
-          <a:prstGeom prst="bentArrow">
-            <a:avLst/>
-          </a:prstGeom>
-        </p:spPr>
-        <p:style>
-          <a:lnRef idx="2">
-            <a:schemeClr val="accent1">
-              <a:shade val="50000"/>
-            </a:schemeClr>
-          </a:lnRef>
-          <a:fillRef idx="1">
-            <a:schemeClr val="accent1"/>
-          </a:fillRef>
-          <a:effectRef idx="0">
-            <a:schemeClr val="accent1"/>
-          </a:effectRef>
-          <a:fontRef idx="minor">
-            <a:schemeClr val="lt1"/>
-          </a:fontRef>
-        </p:style>
-        <p:txBody>
-          <a:bodyPr rtlCol="0" anchor="ctr"/>
-          <a:lstStyle/>
-          <a:p>
-            <a:pPr algn="ctr"/>
-            <a:endParaRPr lang="fr-FR" dirty="0">
-              <a:solidFill>
-                <a:schemeClr val="tx1"/>
-              </a:solidFill>
-            </a:endParaRPr>
-          </a:p>
-        </p:txBody>
-      </p:sp>
-      <p:sp>
-        <p:nvSpPr>
-          <p:cNvPr id="31" name="Rectangle 30"/>
-          <p:cNvSpPr/>
-          <p:nvPr/>
-        </p:nvSpPr>
-        <p:spPr>
-          <a:xfrm>
-            <a:off x="10931893" y="32997096"/>
-            <a:ext cx="4746828" cy="1584630"/>
-          </a:xfrm>
-          <a:prstGeom prst="rect">
-            <a:avLst/>
-          </a:prstGeom>
-        </p:spPr>
-        <p:style>
-          <a:lnRef idx="2">
-            <a:schemeClr val="accent1">
-              <a:shade val="50000"/>
-            </a:schemeClr>
-          </a:lnRef>
-          <a:fillRef idx="1">
-            <a:schemeClr val="accent1"/>
-          </a:fillRef>
-          <a:effectRef idx="0">
-            <a:schemeClr val="accent1"/>
-          </a:effectRef>
-          <a:fontRef idx="minor">
-            <a:schemeClr val="lt1"/>
-          </a:fontRef>
-        </p:style>
-        <p:txBody>
-          <a:bodyPr rtlCol="0" anchor="ctr"/>
-          <a:lstStyle/>
-          <a:p>
-            <a:r>
-              <a:rPr lang="fr-FR" sz="3200" b="1" dirty="0"/>
-              <a:t>il y a des photos sur le site</a:t>
-            </a:r>
-            <a:endParaRPr lang="fr-FR" sz="3200" dirty="0"/>
-          </a:p>
-        </p:txBody>
-      </p:sp>
-      <p:sp>
-        <p:nvSpPr>
-          <p:cNvPr id="33" name="Flèche à angle droit 32"/>
-          <p:cNvSpPr/>
-          <p:nvPr/>
-        </p:nvSpPr>
-        <p:spPr>
-          <a:xfrm rot="5400000">
-            <a:off x="12615984" y="34079848"/>
-            <a:ext cx="3114963" cy="4123457"/>
-          </a:xfrm>
-          <a:prstGeom prst="bentUpArrow">
-            <a:avLst/>
-          </a:prstGeom>
-        </p:spPr>
-        <p:style>
-          <a:lnRef idx="2">
-            <a:schemeClr val="accent1">
-              <a:shade val="50000"/>
-            </a:schemeClr>
-          </a:lnRef>
-          <a:fillRef idx="1">
-            <a:schemeClr val="accent1"/>
-          </a:fillRef>
-          <a:effectRef idx="0">
-            <a:schemeClr val="accent1"/>
-          </a:effectRef>
-          <a:fontRef idx="minor">
-            <a:schemeClr val="lt1"/>
-          </a:fontRef>
-        </p:style>
-        <p:txBody>
-          <a:bodyPr rtlCol="0" anchor="ctr"/>
-          <a:lstStyle/>
-          <a:p>
-            <a:pPr algn="ctr"/>
-            <a:endParaRPr lang="fr-FR" dirty="0"/>
-          </a:p>
-        </p:txBody>
-      </p:sp>
+      </p:pic>
     </p:spTree>
   </p:cSld>
   <p:clrMapOvr>
